--- a/doc/Figures.pptx
+++ b/doc/Figures.pptx
@@ -6,6 +6,7 @@
   </p:sldMasterIdLst>
   <p:sldIdLst>
     <p:sldId id="257" r:id="rId2"/>
+    <p:sldId id="258" r:id="rId3"/>
   </p:sldIdLst>
   <p:sldSz cx="9144000" cy="6858000" type="screen4x3"/>
   <p:notesSz cx="6858000" cy="9144000"/>
@@ -288,7 +289,7 @@
           <a:p>
             <a:fld id="{9F1749B0-8486-4A20-BBE8-FBE8818290E6}" type="datetimeFigureOut">
               <a:rPr lang="en-US" smtClean="0"/>
-              <a:t>4/22/2016</a:t>
+              <a:t>4/30/2016</a:t>
             </a:fld>
             <a:endParaRPr lang="en-US"/>
           </a:p>
@@ -458,7 +459,7 @@
           <a:p>
             <a:fld id="{9F1749B0-8486-4A20-BBE8-FBE8818290E6}" type="datetimeFigureOut">
               <a:rPr lang="en-US" smtClean="0"/>
-              <a:t>4/22/2016</a:t>
+              <a:t>4/30/2016</a:t>
             </a:fld>
             <a:endParaRPr lang="en-US"/>
           </a:p>
@@ -638,7 +639,7 @@
           <a:p>
             <a:fld id="{9F1749B0-8486-4A20-BBE8-FBE8818290E6}" type="datetimeFigureOut">
               <a:rPr lang="en-US" smtClean="0"/>
-              <a:t>4/22/2016</a:t>
+              <a:t>4/30/2016</a:t>
             </a:fld>
             <a:endParaRPr lang="en-US"/>
           </a:p>
@@ -808,7 +809,7 @@
           <a:p>
             <a:fld id="{9F1749B0-8486-4A20-BBE8-FBE8818290E6}" type="datetimeFigureOut">
               <a:rPr lang="en-US" smtClean="0"/>
-              <a:t>4/22/2016</a:t>
+              <a:t>4/30/2016</a:t>
             </a:fld>
             <a:endParaRPr lang="en-US"/>
           </a:p>
@@ -1054,7 +1055,7 @@
           <a:p>
             <a:fld id="{9F1749B0-8486-4A20-BBE8-FBE8818290E6}" type="datetimeFigureOut">
               <a:rPr lang="en-US" smtClean="0"/>
-              <a:t>4/22/2016</a:t>
+              <a:t>4/30/2016</a:t>
             </a:fld>
             <a:endParaRPr lang="en-US"/>
           </a:p>
@@ -1342,7 +1343,7 @@
           <a:p>
             <a:fld id="{9F1749B0-8486-4A20-BBE8-FBE8818290E6}" type="datetimeFigureOut">
               <a:rPr lang="en-US" smtClean="0"/>
-              <a:t>4/22/2016</a:t>
+              <a:t>4/30/2016</a:t>
             </a:fld>
             <a:endParaRPr lang="en-US"/>
           </a:p>
@@ -1764,7 +1765,7 @@
           <a:p>
             <a:fld id="{9F1749B0-8486-4A20-BBE8-FBE8818290E6}" type="datetimeFigureOut">
               <a:rPr lang="en-US" smtClean="0"/>
-              <a:t>4/22/2016</a:t>
+              <a:t>4/30/2016</a:t>
             </a:fld>
             <a:endParaRPr lang="en-US"/>
           </a:p>
@@ -1882,7 +1883,7 @@
           <a:p>
             <a:fld id="{9F1749B0-8486-4A20-BBE8-FBE8818290E6}" type="datetimeFigureOut">
               <a:rPr lang="en-US" smtClean="0"/>
-              <a:t>4/22/2016</a:t>
+              <a:t>4/30/2016</a:t>
             </a:fld>
             <a:endParaRPr lang="en-US"/>
           </a:p>
@@ -1977,7 +1978,7 @@
           <a:p>
             <a:fld id="{9F1749B0-8486-4A20-BBE8-FBE8818290E6}" type="datetimeFigureOut">
               <a:rPr lang="en-US" smtClean="0"/>
-              <a:t>4/22/2016</a:t>
+              <a:t>4/30/2016</a:t>
             </a:fld>
             <a:endParaRPr lang="en-US"/>
           </a:p>
@@ -2254,7 +2255,7 @@
           <a:p>
             <a:fld id="{9F1749B0-8486-4A20-BBE8-FBE8818290E6}" type="datetimeFigureOut">
               <a:rPr lang="en-US" smtClean="0"/>
-              <a:t>4/22/2016</a:t>
+              <a:t>4/30/2016</a:t>
             </a:fld>
             <a:endParaRPr lang="en-US"/>
           </a:p>
@@ -2507,7 +2508,7 @@
           <a:p>
             <a:fld id="{9F1749B0-8486-4A20-BBE8-FBE8818290E6}" type="datetimeFigureOut">
               <a:rPr lang="en-US" smtClean="0"/>
-              <a:t>4/22/2016</a:t>
+              <a:t>4/30/2016</a:t>
             </a:fld>
             <a:endParaRPr lang="en-US"/>
           </a:p>
@@ -2720,7 +2721,7 @@
           <a:p>
             <a:fld id="{9F1749B0-8486-4A20-BBE8-FBE8818290E6}" type="datetimeFigureOut">
               <a:rPr lang="en-US" smtClean="0"/>
-              <a:t>4/22/2016</a:t>
+              <a:t>4/30/2016</a:t>
             </a:fld>
             <a:endParaRPr lang="en-US"/>
           </a:p>
@@ -4973,8 +4974,8 @@
           </a:p>
         </p:txBody>
       </p:sp>
-      <mc:AlternateContent xmlns:mc="http://schemas.openxmlformats.org/markup-compatibility/2006">
-        <mc:Choice xmlns:a14="http://schemas.microsoft.com/office/drawing/2010/main" Requires="a14">
+      <mc:AlternateContent xmlns:mc="http://schemas.openxmlformats.org/markup-compatibility/2006" xmlns:a14="http://schemas.microsoft.com/office/drawing/2010/main">
+        <mc:Choice Requires="a14">
           <p:sp>
             <p:nvSpPr>
               <p:cNvPr id="65" name="TextBox 64"/>
@@ -4997,6 +4998,7 @@
               </a:bodyPr>
               <a:lstStyle/>
               <a:p>
+                <a:pPr/>
                 <a14:m>
                   <m:oMathPara xmlns:m="http://schemas.openxmlformats.org/officeDocument/2006/math">
                     <m:oMathParaPr>
@@ -5036,7 +5038,7 @@
             </p:txBody>
           </p:sp>
         </mc:Choice>
-        <mc:Fallback>
+        <mc:Fallback xmlns="">
           <p:sp>
             <p:nvSpPr>
               <p:cNvPr id="65" name="TextBox 64"/>
@@ -5111,8 +5113,8 @@
           </a:fontRef>
         </p:style>
       </p:cxnSp>
-      <mc:AlternateContent xmlns:mc="http://schemas.openxmlformats.org/markup-compatibility/2006">
-        <mc:Choice xmlns:a14="http://schemas.microsoft.com/office/drawing/2010/main" Requires="a14">
+      <mc:AlternateContent xmlns:mc="http://schemas.openxmlformats.org/markup-compatibility/2006" xmlns:a14="http://schemas.microsoft.com/office/drawing/2010/main">
+        <mc:Choice Requires="a14">
           <p:sp>
             <p:nvSpPr>
               <p:cNvPr id="68" name="TextBox 67"/>
@@ -5135,6 +5137,7 @@
               </a:bodyPr>
               <a:lstStyle/>
               <a:p>
+                <a:pPr/>
                 <a14:m>
                   <m:oMathPara xmlns:m="http://schemas.openxmlformats.org/officeDocument/2006/math">
                     <m:oMathParaPr>
@@ -5174,7 +5177,7 @@
             </p:txBody>
           </p:sp>
         </mc:Choice>
-        <mc:Fallback>
+        <mc:Fallback xmlns="">
           <p:sp>
             <p:nvSpPr>
               <p:cNvPr id="68" name="TextBox 67"/>
@@ -5213,8 +5216,8 @@
           </p:sp>
         </mc:Fallback>
       </mc:AlternateContent>
-      <mc:AlternateContent xmlns:mc="http://schemas.openxmlformats.org/markup-compatibility/2006">
-        <mc:Choice xmlns:a14="http://schemas.microsoft.com/office/drawing/2010/main" Requires="a14">
+      <mc:AlternateContent xmlns:mc="http://schemas.openxmlformats.org/markup-compatibility/2006" xmlns:a14="http://schemas.microsoft.com/office/drawing/2010/main">
+        <mc:Choice Requires="a14">
           <p:sp>
             <p:nvSpPr>
               <p:cNvPr id="69" name="TextBox 68"/>
@@ -5237,6 +5240,7 @@
               </a:bodyPr>
               <a:lstStyle/>
               <a:p>
+                <a:pPr/>
                 <a14:m>
                   <m:oMathPara xmlns:m="http://schemas.openxmlformats.org/officeDocument/2006/math">
                     <m:oMathParaPr>
@@ -5276,7 +5280,7 @@
             </p:txBody>
           </p:sp>
         </mc:Choice>
-        <mc:Fallback>
+        <mc:Fallback xmlns="">
           <p:sp>
             <p:nvSpPr>
               <p:cNvPr id="69" name="TextBox 68"/>
@@ -5315,8 +5319,8 @@
           </p:sp>
         </mc:Fallback>
       </mc:AlternateContent>
-      <mc:AlternateContent xmlns:mc="http://schemas.openxmlformats.org/markup-compatibility/2006">
-        <mc:Choice xmlns:a14="http://schemas.microsoft.com/office/drawing/2010/main" Requires="a14">
+      <mc:AlternateContent xmlns:mc="http://schemas.openxmlformats.org/markup-compatibility/2006" xmlns:a14="http://schemas.microsoft.com/office/drawing/2010/main">
+        <mc:Choice Requires="a14">
           <p:sp>
             <p:nvSpPr>
               <p:cNvPr id="70" name="TextBox 69"/>
@@ -5339,6 +5343,7 @@
               </a:bodyPr>
               <a:lstStyle/>
               <a:p>
+                <a:pPr/>
                 <a14:m>
                   <m:oMathPara xmlns:m="http://schemas.openxmlformats.org/officeDocument/2006/math">
                     <m:oMathParaPr>
@@ -5378,7 +5383,7 @@
             </p:txBody>
           </p:sp>
         </mc:Choice>
-        <mc:Fallback>
+        <mc:Fallback xmlns="">
           <p:sp>
             <p:nvSpPr>
               <p:cNvPr id="70" name="TextBox 69"/>
@@ -5417,8 +5422,8 @@
           </p:sp>
         </mc:Fallback>
       </mc:AlternateContent>
-      <mc:AlternateContent xmlns:mc="http://schemas.openxmlformats.org/markup-compatibility/2006">
-        <mc:Choice xmlns:a14="http://schemas.microsoft.com/office/drawing/2010/main" Requires="a14">
+      <mc:AlternateContent xmlns:mc="http://schemas.openxmlformats.org/markup-compatibility/2006" xmlns:a14="http://schemas.microsoft.com/office/drawing/2010/main">
+        <mc:Choice Requires="a14">
           <p:sp>
             <p:nvSpPr>
               <p:cNvPr id="71" name="TextBox 70"/>
@@ -5441,6 +5446,7 @@
               </a:bodyPr>
               <a:lstStyle/>
               <a:p>
+                <a:pPr/>
                 <a14:m>
                   <m:oMathPara xmlns:m="http://schemas.openxmlformats.org/officeDocument/2006/math">
                     <m:oMathParaPr>
@@ -5480,7 +5486,7 @@
             </p:txBody>
           </p:sp>
         </mc:Choice>
-        <mc:Fallback>
+        <mc:Fallback xmlns="">
           <p:sp>
             <p:nvSpPr>
               <p:cNvPr id="71" name="TextBox 70"/>
@@ -5519,8 +5525,8 @@
           </p:sp>
         </mc:Fallback>
       </mc:AlternateContent>
-      <mc:AlternateContent xmlns:mc="http://schemas.openxmlformats.org/markup-compatibility/2006">
-        <mc:Choice xmlns:a14="http://schemas.microsoft.com/office/drawing/2010/main" Requires="a14">
+      <mc:AlternateContent xmlns:mc="http://schemas.openxmlformats.org/markup-compatibility/2006" xmlns:a14="http://schemas.microsoft.com/office/drawing/2010/main">
+        <mc:Choice Requires="a14">
           <p:sp>
             <p:nvSpPr>
               <p:cNvPr id="72" name="TextBox 71"/>
@@ -5543,6 +5549,7 @@
               </a:bodyPr>
               <a:lstStyle/>
               <a:p>
+                <a:pPr/>
                 <a14:m>
                   <m:oMathPara xmlns:m="http://schemas.openxmlformats.org/officeDocument/2006/math">
                     <m:oMathParaPr>
@@ -5582,7 +5589,7 @@
             </p:txBody>
           </p:sp>
         </mc:Choice>
-        <mc:Fallback>
+        <mc:Fallback xmlns="">
           <p:sp>
             <p:nvSpPr>
               <p:cNvPr id="72" name="TextBox 71"/>
@@ -5621,8 +5628,8 @@
           </p:sp>
         </mc:Fallback>
       </mc:AlternateContent>
-      <mc:AlternateContent xmlns:mc="http://schemas.openxmlformats.org/markup-compatibility/2006">
-        <mc:Choice xmlns:a14="http://schemas.microsoft.com/office/drawing/2010/main" Requires="a14">
+      <mc:AlternateContent xmlns:mc="http://schemas.openxmlformats.org/markup-compatibility/2006" xmlns:a14="http://schemas.microsoft.com/office/drawing/2010/main">
+        <mc:Choice Requires="a14">
           <p:sp>
             <p:nvSpPr>
               <p:cNvPr id="73" name="TextBox 72"/>
@@ -5645,6 +5652,7 @@
               </a:bodyPr>
               <a:lstStyle/>
               <a:p>
+                <a:pPr/>
                 <a14:m>
                   <m:oMathPara xmlns:m="http://schemas.openxmlformats.org/officeDocument/2006/math">
                     <m:oMathParaPr>
@@ -5684,7 +5692,7 @@
             </p:txBody>
           </p:sp>
         </mc:Choice>
-        <mc:Fallback>
+        <mc:Fallback xmlns="">
           <p:sp>
             <p:nvSpPr>
               <p:cNvPr id="73" name="TextBox 72"/>
@@ -5723,8 +5731,8 @@
           </p:sp>
         </mc:Fallback>
       </mc:AlternateContent>
-      <mc:AlternateContent xmlns:mc="http://schemas.openxmlformats.org/markup-compatibility/2006">
-        <mc:Choice xmlns:a14="http://schemas.microsoft.com/office/drawing/2010/main" Requires="a14">
+      <mc:AlternateContent xmlns:mc="http://schemas.openxmlformats.org/markup-compatibility/2006" xmlns:a14="http://schemas.microsoft.com/office/drawing/2010/main">
+        <mc:Choice Requires="a14">
           <p:sp>
             <p:nvSpPr>
               <p:cNvPr id="74" name="TextBox 73"/>
@@ -5747,6 +5755,7 @@
               </a:bodyPr>
               <a:lstStyle/>
               <a:p>
+                <a:pPr/>
                 <a14:m>
                   <m:oMathPara xmlns:m="http://schemas.openxmlformats.org/officeDocument/2006/math">
                     <m:oMathParaPr>
@@ -5786,7 +5795,7 @@
             </p:txBody>
           </p:sp>
         </mc:Choice>
-        <mc:Fallback>
+        <mc:Fallback xmlns="">
           <p:sp>
             <p:nvSpPr>
               <p:cNvPr id="74" name="TextBox 73"/>
@@ -5825,8 +5834,8 @@
           </p:sp>
         </mc:Fallback>
       </mc:AlternateContent>
-      <mc:AlternateContent xmlns:mc="http://schemas.openxmlformats.org/markup-compatibility/2006">
-        <mc:Choice xmlns:a14="http://schemas.microsoft.com/office/drawing/2010/main" Requires="a14">
+      <mc:AlternateContent xmlns:mc="http://schemas.openxmlformats.org/markup-compatibility/2006" xmlns:a14="http://schemas.microsoft.com/office/drawing/2010/main">
+        <mc:Choice Requires="a14">
           <p:sp>
             <p:nvSpPr>
               <p:cNvPr id="75" name="TextBox 74"/>
@@ -5849,6 +5858,7 @@
               </a:bodyPr>
               <a:lstStyle/>
               <a:p>
+                <a:pPr/>
                 <a14:m>
                   <m:oMathPara xmlns:m="http://schemas.openxmlformats.org/officeDocument/2006/math">
                     <m:oMathParaPr>
@@ -5888,7 +5898,7 @@
             </p:txBody>
           </p:sp>
         </mc:Choice>
-        <mc:Fallback>
+        <mc:Fallback xmlns="">
           <p:sp>
             <p:nvSpPr>
               <p:cNvPr id="75" name="TextBox 74"/>
@@ -5927,8 +5937,8 @@
           </p:sp>
         </mc:Fallback>
       </mc:AlternateContent>
-      <mc:AlternateContent xmlns:mc="http://schemas.openxmlformats.org/markup-compatibility/2006">
-        <mc:Choice xmlns:a14="http://schemas.microsoft.com/office/drawing/2010/main" Requires="a14">
+      <mc:AlternateContent xmlns:mc="http://schemas.openxmlformats.org/markup-compatibility/2006" xmlns:a14="http://schemas.microsoft.com/office/drawing/2010/main">
+        <mc:Choice Requires="a14">
           <p:sp>
             <p:nvSpPr>
               <p:cNvPr id="76" name="TextBox 75"/>
@@ -5951,6 +5961,7 @@
               </a:bodyPr>
               <a:lstStyle/>
               <a:p>
+                <a:pPr/>
                 <a14:m>
                   <m:oMathPara xmlns:m="http://schemas.openxmlformats.org/officeDocument/2006/math">
                     <m:oMathParaPr>
@@ -5990,7 +6001,7 @@
             </p:txBody>
           </p:sp>
         </mc:Choice>
-        <mc:Fallback>
+        <mc:Fallback xmlns="">
           <p:sp>
             <p:nvSpPr>
               <p:cNvPr id="76" name="TextBox 75"/>
@@ -6029,8 +6040,8 @@
           </p:sp>
         </mc:Fallback>
       </mc:AlternateContent>
-      <mc:AlternateContent xmlns:mc="http://schemas.openxmlformats.org/markup-compatibility/2006">
-        <mc:Choice xmlns:a14="http://schemas.microsoft.com/office/drawing/2010/main" Requires="a14">
+      <mc:AlternateContent xmlns:mc="http://schemas.openxmlformats.org/markup-compatibility/2006" xmlns:a14="http://schemas.microsoft.com/office/drawing/2010/main">
+        <mc:Choice Requires="a14">
           <p:sp>
             <p:nvSpPr>
               <p:cNvPr id="77" name="TextBox 76"/>
@@ -6053,6 +6064,7 @@
               </a:bodyPr>
               <a:lstStyle/>
               <a:p>
+                <a:pPr/>
                 <a14:m>
                   <m:oMathPara xmlns:m="http://schemas.openxmlformats.org/officeDocument/2006/math">
                     <m:oMathParaPr>
@@ -6092,7 +6104,7 @@
             </p:txBody>
           </p:sp>
         </mc:Choice>
-        <mc:Fallback>
+        <mc:Fallback xmlns="">
           <p:sp>
             <p:nvSpPr>
               <p:cNvPr id="77" name="TextBox 76"/>
@@ -6167,8 +6179,8 @@
           </a:fontRef>
         </p:style>
       </p:cxnSp>
-      <mc:AlternateContent xmlns:mc="http://schemas.openxmlformats.org/markup-compatibility/2006">
-        <mc:Choice xmlns:a14="http://schemas.microsoft.com/office/drawing/2010/main" Requires="a14">
+      <mc:AlternateContent xmlns:mc="http://schemas.openxmlformats.org/markup-compatibility/2006" xmlns:a14="http://schemas.microsoft.com/office/drawing/2010/main">
+        <mc:Choice Requires="a14">
           <p:sp>
             <p:nvSpPr>
               <p:cNvPr id="79" name="TextBox 78"/>
@@ -6191,6 +6203,7 @@
               </a:bodyPr>
               <a:lstStyle/>
               <a:p>
+                <a:pPr/>
                 <a14:m>
                   <m:oMathPara xmlns:m="http://schemas.openxmlformats.org/officeDocument/2006/math">
                     <m:oMathParaPr>
@@ -6230,7 +6243,7 @@
             </p:txBody>
           </p:sp>
         </mc:Choice>
-        <mc:Fallback>
+        <mc:Fallback xmlns="">
           <p:sp>
             <p:nvSpPr>
               <p:cNvPr id="79" name="TextBox 78"/>
@@ -6305,8 +6318,8 @@
           </a:fontRef>
         </p:style>
       </p:cxnSp>
-      <mc:AlternateContent xmlns:mc="http://schemas.openxmlformats.org/markup-compatibility/2006">
-        <mc:Choice xmlns:a14="http://schemas.microsoft.com/office/drawing/2010/main" Requires="a14">
+      <mc:AlternateContent xmlns:mc="http://schemas.openxmlformats.org/markup-compatibility/2006" xmlns:a14="http://schemas.microsoft.com/office/drawing/2010/main">
+        <mc:Choice Requires="a14">
           <p:sp>
             <p:nvSpPr>
               <p:cNvPr id="81" name="TextBox 80"/>
@@ -6329,6 +6342,7 @@
               </a:bodyPr>
               <a:lstStyle/>
               <a:p>
+                <a:pPr/>
                 <a14:m>
                   <m:oMathPara xmlns:m="http://schemas.openxmlformats.org/officeDocument/2006/math">
                     <m:oMathParaPr>
@@ -6368,7 +6382,7 @@
             </p:txBody>
           </p:sp>
         </mc:Choice>
-        <mc:Fallback>
+        <mc:Fallback xmlns="">
           <p:sp>
             <p:nvSpPr>
               <p:cNvPr id="81" name="TextBox 80"/>
@@ -6443,8 +6457,8 @@
           </a:fontRef>
         </p:style>
       </p:cxnSp>
-      <mc:AlternateContent xmlns:mc="http://schemas.openxmlformats.org/markup-compatibility/2006">
-        <mc:Choice xmlns:a14="http://schemas.microsoft.com/office/drawing/2010/main" Requires="a14">
+      <mc:AlternateContent xmlns:mc="http://schemas.openxmlformats.org/markup-compatibility/2006" xmlns:a14="http://schemas.microsoft.com/office/drawing/2010/main">
+        <mc:Choice Requires="a14">
           <p:sp>
             <p:nvSpPr>
               <p:cNvPr id="83" name="TextBox 82"/>
@@ -6467,6 +6481,7 @@
               </a:bodyPr>
               <a:lstStyle/>
               <a:p>
+                <a:pPr/>
                 <a14:m>
                   <m:oMathPara xmlns:m="http://schemas.openxmlformats.org/officeDocument/2006/math">
                     <m:oMathParaPr>
@@ -6506,7 +6521,7 @@
             </p:txBody>
           </p:sp>
         </mc:Choice>
-        <mc:Fallback>
+        <mc:Fallback xmlns="">
           <p:sp>
             <p:nvSpPr>
               <p:cNvPr id="83" name="TextBox 82"/>
@@ -6581,8 +6596,8 @@
           </a:fontRef>
         </p:style>
       </p:cxnSp>
-      <mc:AlternateContent xmlns:mc="http://schemas.openxmlformats.org/markup-compatibility/2006">
-        <mc:Choice xmlns:a14="http://schemas.microsoft.com/office/drawing/2010/main" Requires="a14">
+      <mc:AlternateContent xmlns:mc="http://schemas.openxmlformats.org/markup-compatibility/2006" xmlns:a14="http://schemas.microsoft.com/office/drawing/2010/main">
+        <mc:Choice Requires="a14">
           <p:sp>
             <p:nvSpPr>
               <p:cNvPr id="85" name="TextBox 84"/>
@@ -6605,6 +6620,7 @@
               </a:bodyPr>
               <a:lstStyle/>
               <a:p>
+                <a:pPr/>
                 <a14:m>
                   <m:oMathPara xmlns:m="http://schemas.openxmlformats.org/officeDocument/2006/math">
                     <m:oMathParaPr>
@@ -6644,7 +6660,7 @@
             </p:txBody>
           </p:sp>
         </mc:Choice>
-        <mc:Fallback>
+        <mc:Fallback xmlns="">
           <p:sp>
             <p:nvSpPr>
               <p:cNvPr id="85" name="TextBox 84"/>
@@ -6719,8 +6735,8 @@
           </a:fontRef>
         </p:style>
       </p:cxnSp>
-      <mc:AlternateContent xmlns:mc="http://schemas.openxmlformats.org/markup-compatibility/2006">
-        <mc:Choice xmlns:a14="http://schemas.microsoft.com/office/drawing/2010/main" Requires="a14">
+      <mc:AlternateContent xmlns:mc="http://schemas.openxmlformats.org/markup-compatibility/2006" xmlns:a14="http://schemas.microsoft.com/office/drawing/2010/main">
+        <mc:Choice Requires="a14">
           <p:sp>
             <p:nvSpPr>
               <p:cNvPr id="87" name="TextBox 86"/>
@@ -6743,6 +6759,7 @@
               </a:bodyPr>
               <a:lstStyle/>
               <a:p>
+                <a:pPr/>
                 <a14:m>
                   <m:oMathPara xmlns:m="http://schemas.openxmlformats.org/officeDocument/2006/math">
                     <m:oMathParaPr>
@@ -6782,7 +6799,7 @@
             </p:txBody>
           </p:sp>
         </mc:Choice>
-        <mc:Fallback>
+        <mc:Fallback xmlns="">
           <p:sp>
             <p:nvSpPr>
               <p:cNvPr id="87" name="TextBox 86"/>
@@ -6857,8 +6874,8 @@
           </a:fontRef>
         </p:style>
       </p:cxnSp>
-      <mc:AlternateContent xmlns:mc="http://schemas.openxmlformats.org/markup-compatibility/2006">
-        <mc:Choice xmlns:a14="http://schemas.microsoft.com/office/drawing/2010/main" Requires="a14">
+      <mc:AlternateContent xmlns:mc="http://schemas.openxmlformats.org/markup-compatibility/2006" xmlns:a14="http://schemas.microsoft.com/office/drawing/2010/main">
+        <mc:Choice Requires="a14">
           <p:sp>
             <p:nvSpPr>
               <p:cNvPr id="89" name="TextBox 88"/>
@@ -6881,6 +6898,7 @@
               </a:bodyPr>
               <a:lstStyle/>
               <a:p>
+                <a:pPr/>
                 <a14:m>
                   <m:oMathPara xmlns:m="http://schemas.openxmlformats.org/officeDocument/2006/math">
                     <m:oMathParaPr>
@@ -6920,7 +6938,7 @@
             </p:txBody>
           </p:sp>
         </mc:Choice>
-        <mc:Fallback>
+        <mc:Fallback xmlns="">
           <p:sp>
             <p:nvSpPr>
               <p:cNvPr id="89" name="TextBox 88"/>
@@ -6995,8 +7013,8 @@
           </a:fontRef>
         </p:style>
       </p:cxnSp>
-      <mc:AlternateContent xmlns:mc="http://schemas.openxmlformats.org/markup-compatibility/2006">
-        <mc:Choice xmlns:a14="http://schemas.microsoft.com/office/drawing/2010/main" Requires="a14">
+      <mc:AlternateContent xmlns:mc="http://schemas.openxmlformats.org/markup-compatibility/2006" xmlns:a14="http://schemas.microsoft.com/office/drawing/2010/main">
+        <mc:Choice Requires="a14">
           <p:sp>
             <p:nvSpPr>
               <p:cNvPr id="91" name="TextBox 90"/>
@@ -7019,6 +7037,7 @@
               </a:bodyPr>
               <a:lstStyle/>
               <a:p>
+                <a:pPr/>
                 <a14:m>
                   <m:oMathPara xmlns:m="http://schemas.openxmlformats.org/officeDocument/2006/math">
                     <m:oMathParaPr>
@@ -7058,7 +7077,7 @@
             </p:txBody>
           </p:sp>
         </mc:Choice>
-        <mc:Fallback>
+        <mc:Fallback xmlns="">
           <p:sp>
             <p:nvSpPr>
               <p:cNvPr id="91" name="TextBox 90"/>
@@ -7133,8 +7152,8 @@
           </a:fontRef>
         </p:style>
       </p:cxnSp>
-      <mc:AlternateContent xmlns:mc="http://schemas.openxmlformats.org/markup-compatibility/2006">
-        <mc:Choice xmlns:a14="http://schemas.microsoft.com/office/drawing/2010/main" Requires="a14">
+      <mc:AlternateContent xmlns:mc="http://schemas.openxmlformats.org/markup-compatibility/2006" xmlns:a14="http://schemas.microsoft.com/office/drawing/2010/main">
+        <mc:Choice Requires="a14">
           <p:sp>
             <p:nvSpPr>
               <p:cNvPr id="93" name="TextBox 92"/>
@@ -7157,6 +7176,7 @@
               </a:bodyPr>
               <a:lstStyle/>
               <a:p>
+                <a:pPr/>
                 <a14:m>
                   <m:oMathPara xmlns:m="http://schemas.openxmlformats.org/officeDocument/2006/math">
                     <m:oMathParaPr>
@@ -7196,7 +7216,7 @@
             </p:txBody>
           </p:sp>
         </mc:Choice>
-        <mc:Fallback>
+        <mc:Fallback xmlns="">
           <p:sp>
             <p:nvSpPr>
               <p:cNvPr id="93" name="TextBox 92"/>
@@ -7288,6 +7308,694 @@
       </p:par>
     </p:tnLst>
   </p:timing>
+</p:sld>
+</file>
+
+<file path=ppt/slides/slide2.xml><?xml version="1.0" encoding="utf-8"?>
+<p:sld xmlns:a="http://schemas.openxmlformats.org/drawingml/2006/main" xmlns:r="http://schemas.openxmlformats.org/officeDocument/2006/relationships" xmlns:p="http://schemas.openxmlformats.org/presentationml/2006/main">
+  <p:cSld>
+    <p:spTree>
+      <p:nvGrpSpPr>
+        <p:cNvPr id="1" name=""/>
+        <p:cNvGrpSpPr/>
+        <p:nvPr/>
+      </p:nvGrpSpPr>
+      <p:grpSpPr>
+        <a:xfrm>
+          <a:off x="0" y="0"/>
+          <a:ext cx="0" cy="0"/>
+          <a:chOff x="0" y="0"/>
+          <a:chExt cx="0" cy="0"/>
+        </a:xfrm>
+      </p:grpSpPr>
+      <p:cxnSp>
+        <p:nvCxnSpPr>
+          <p:cNvPr id="3" name="Straight Arrow Connector 2"/>
+          <p:cNvCxnSpPr/>
+          <p:nvPr/>
+        </p:nvCxnSpPr>
+        <p:spPr>
+          <a:xfrm>
+            <a:off x="2667000" y="3657600"/>
+            <a:ext cx="2819400" cy="0"/>
+          </a:xfrm>
+          <a:prstGeom prst="straightConnector1">
+            <a:avLst/>
+          </a:prstGeom>
+          <a:ln>
+            <a:solidFill>
+              <a:schemeClr val="tx1"/>
+            </a:solidFill>
+            <a:tailEnd type="arrow"/>
+          </a:ln>
+        </p:spPr>
+        <p:style>
+          <a:lnRef idx="1">
+            <a:schemeClr val="accent1"/>
+          </a:lnRef>
+          <a:fillRef idx="0">
+            <a:schemeClr val="accent1"/>
+          </a:fillRef>
+          <a:effectRef idx="0">
+            <a:schemeClr val="accent1"/>
+          </a:effectRef>
+          <a:fontRef idx="minor">
+            <a:schemeClr val="tx1"/>
+          </a:fontRef>
+        </p:style>
+      </p:cxnSp>
+      <p:cxnSp>
+        <p:nvCxnSpPr>
+          <p:cNvPr id="4" name="Straight Arrow Connector 3"/>
+          <p:cNvCxnSpPr/>
+          <p:nvPr/>
+        </p:nvCxnSpPr>
+        <p:spPr>
+          <a:xfrm flipV="1">
+            <a:off x="2819400" y="2857500"/>
+            <a:ext cx="0" cy="952500"/>
+          </a:xfrm>
+          <a:prstGeom prst="straightConnector1">
+            <a:avLst/>
+          </a:prstGeom>
+          <a:ln>
+            <a:solidFill>
+              <a:schemeClr val="tx1"/>
+            </a:solidFill>
+            <a:tailEnd type="arrow"/>
+          </a:ln>
+        </p:spPr>
+        <p:style>
+          <a:lnRef idx="1">
+            <a:schemeClr val="accent1"/>
+          </a:lnRef>
+          <a:fillRef idx="0">
+            <a:schemeClr val="accent1"/>
+          </a:fillRef>
+          <a:effectRef idx="0">
+            <a:schemeClr val="accent1"/>
+          </a:effectRef>
+          <a:fontRef idx="minor">
+            <a:schemeClr val="tx1"/>
+          </a:fontRef>
+        </p:style>
+      </p:cxnSp>
+      <p:sp>
+        <p:nvSpPr>
+          <p:cNvPr id="6" name="Freeform 5"/>
+          <p:cNvSpPr/>
+          <p:nvPr/>
+        </p:nvSpPr>
+        <p:spPr>
+          <a:xfrm>
+            <a:off x="2827020" y="3124200"/>
+            <a:ext cx="2080260" cy="525780"/>
+          </a:xfrm>
+          <a:custGeom>
+            <a:avLst/>
+            <a:gdLst>
+              <a:gd name="connsiteX0" fmla="*/ 0 w 2080260"/>
+              <a:gd name="connsiteY0" fmla="*/ 1348740 h 1348740"/>
+              <a:gd name="connsiteX1" fmla="*/ 998220 w 2080260"/>
+              <a:gd name="connsiteY1" fmla="*/ 0 h 1348740"/>
+              <a:gd name="connsiteX2" fmla="*/ 2080260 w 2080260"/>
+              <a:gd name="connsiteY2" fmla="*/ 1348740 h 1348740"/>
+            </a:gdLst>
+            <a:ahLst/>
+            <a:cxnLst>
+              <a:cxn ang="0">
+                <a:pos x="connsiteX0" y="connsiteY0"/>
+              </a:cxn>
+              <a:cxn ang="0">
+                <a:pos x="connsiteX1" y="connsiteY1"/>
+              </a:cxn>
+              <a:cxn ang="0">
+                <a:pos x="connsiteX2" y="connsiteY2"/>
+              </a:cxn>
+            </a:cxnLst>
+            <a:rect l="l" t="t" r="r" b="b"/>
+            <a:pathLst>
+              <a:path w="2080260" h="1348740">
+                <a:moveTo>
+                  <a:pt x="0" y="1348740"/>
+                </a:moveTo>
+                <a:cubicBezTo>
+                  <a:pt x="325755" y="674370"/>
+                  <a:pt x="651510" y="0"/>
+                  <a:pt x="998220" y="0"/>
+                </a:cubicBezTo>
+                <a:cubicBezTo>
+                  <a:pt x="1344930" y="0"/>
+                  <a:pt x="1712595" y="674370"/>
+                  <a:pt x="2080260" y="1348740"/>
+                </a:cubicBezTo>
+              </a:path>
+            </a:pathLst>
+          </a:custGeom>
+          <a:noFill/>
+          <a:ln>
+            <a:solidFill>
+              <a:schemeClr val="tx1"/>
+            </a:solidFill>
+          </a:ln>
+        </p:spPr>
+        <p:style>
+          <a:lnRef idx="2">
+            <a:schemeClr val="accent1">
+              <a:shade val="50000"/>
+            </a:schemeClr>
+          </a:lnRef>
+          <a:fillRef idx="1">
+            <a:schemeClr val="accent1"/>
+          </a:fillRef>
+          <a:effectRef idx="0">
+            <a:schemeClr val="accent1"/>
+          </a:effectRef>
+          <a:fontRef idx="minor">
+            <a:schemeClr val="lt1"/>
+          </a:fontRef>
+        </p:style>
+        <p:txBody>
+          <a:bodyPr rtlCol="0" anchor="ctr"/>
+          <a:lstStyle/>
+          <a:p>
+            <a:pPr algn="ctr"/>
+            <a:endParaRPr lang="en-US"/>
+          </a:p>
+        </p:txBody>
+      </p:sp>
+      <p:sp>
+        <p:nvSpPr>
+          <p:cNvPr id="7" name="TextBox 6"/>
+          <p:cNvSpPr txBox="1"/>
+          <p:nvPr/>
+        </p:nvSpPr>
+        <p:spPr>
+          <a:xfrm>
+            <a:off x="2590800" y="3761601"/>
+            <a:ext cx="263214" cy="276999"/>
+          </a:xfrm>
+          <a:prstGeom prst="rect">
+            <a:avLst/>
+          </a:prstGeom>
+          <a:noFill/>
+        </p:spPr>
+        <p:txBody>
+          <a:bodyPr wrap="none" rtlCol="0">
+            <a:spAutoFit/>
+          </a:bodyPr>
+          <a:lstStyle/>
+          <a:p>
+            <a:r>
+              <a:rPr lang="en-US" sz="1200" dirty="0" smtClean="0"/>
+              <a:t>0</a:t>
+            </a:r>
+            <a:endParaRPr lang="en-US" sz="1200" dirty="0"/>
+          </a:p>
+        </p:txBody>
+      </p:sp>
+      <p:sp>
+        <p:nvSpPr>
+          <p:cNvPr id="8" name="TextBox 7"/>
+          <p:cNvSpPr txBox="1"/>
+          <p:nvPr/>
+        </p:nvSpPr>
+        <p:spPr>
+          <a:xfrm>
+            <a:off x="4775673" y="3741420"/>
+            <a:ext cx="263214" cy="276999"/>
+          </a:xfrm>
+          <a:prstGeom prst="rect">
+            <a:avLst/>
+          </a:prstGeom>
+          <a:noFill/>
+        </p:spPr>
+        <p:txBody>
+          <a:bodyPr wrap="none" rtlCol="0">
+            <a:spAutoFit/>
+          </a:bodyPr>
+          <a:lstStyle/>
+          <a:p>
+            <a:r>
+              <a:rPr lang="en-US" sz="1200" dirty="0" smtClean="0"/>
+              <a:t>1</a:t>
+            </a:r>
+            <a:endParaRPr lang="en-US" sz="1200" dirty="0"/>
+          </a:p>
+        </p:txBody>
+      </p:sp>
+      <mc:AlternateContent xmlns:mc="http://schemas.openxmlformats.org/markup-compatibility/2006">
+        <mc:Choice xmlns:a14="http://schemas.microsoft.com/office/drawing/2010/main" Requires="a14">
+          <p:sp>
+            <p:nvSpPr>
+              <p:cNvPr id="9" name="TextBox 8"/>
+              <p:cNvSpPr txBox="1"/>
+              <p:nvPr/>
+            </p:nvSpPr>
+            <p:spPr>
+              <a:xfrm>
+                <a:off x="5486400" y="3624858"/>
+                <a:ext cx="306366" cy="276999"/>
+              </a:xfrm>
+              <a:prstGeom prst="rect">
+                <a:avLst/>
+              </a:prstGeom>
+              <a:noFill/>
+            </p:spPr>
+            <p:txBody>
+              <a:bodyPr wrap="none" rtlCol="0">
+                <a:spAutoFit/>
+              </a:bodyPr>
+              <a:lstStyle/>
+              <a:p>
+                <a14:m>
+                  <m:oMathPara xmlns:m="http://schemas.openxmlformats.org/officeDocument/2006/math">
+                    <m:oMathParaPr>
+                      <m:jc m:val="centerGroup"/>
+                    </m:oMathParaPr>
+                    <m:oMath xmlns:m="http://schemas.openxmlformats.org/officeDocument/2006/math">
+                      <m:r>
+                        <a:rPr lang="en-US" sz="1200" b="0" i="1" smtClean="0">
+                          <a:latin typeface="Cambria Math"/>
+                        </a:rPr>
+                        <m:t>𝑥</m:t>
+                      </m:r>
+                    </m:oMath>
+                  </m:oMathPara>
+                </a14:m>
+                <a:endParaRPr lang="en-US" sz="1200" dirty="0"/>
+              </a:p>
+            </p:txBody>
+          </p:sp>
+        </mc:Choice>
+        <mc:Fallback>
+          <p:sp>
+            <p:nvSpPr>
+              <p:cNvPr id="9" name="TextBox 8"/>
+              <p:cNvSpPr txBox="1">
+                <a:spLocks noRot="1" noChangeAspect="1" noMove="1" noResize="1" noEditPoints="1" noAdjustHandles="1" noChangeArrowheads="1" noChangeShapeType="1" noTextEdit="1"/>
+              </p:cNvSpPr>
+              <p:nvPr/>
+            </p:nvSpPr>
+            <p:spPr>
+              <a:xfrm>
+                <a:off x="5486400" y="3624858"/>
+                <a:ext cx="306366" cy="276999"/>
+              </a:xfrm>
+              <a:prstGeom prst="rect">
+                <a:avLst/>
+              </a:prstGeom>
+              <a:blipFill rotWithShape="1">
+                <a:blip r:embed="rId2"/>
+                <a:stretch>
+                  <a:fillRect/>
+                </a:stretch>
+              </a:blipFill>
+            </p:spPr>
+            <p:txBody>
+              <a:bodyPr/>
+              <a:lstStyle/>
+              <a:p>
+                <a:r>
+                  <a:rPr lang="en-US">
+                    <a:noFill/>
+                  </a:rPr>
+                  <a:t> </a:t>
+                </a:r>
+              </a:p>
+            </p:txBody>
+          </p:sp>
+        </mc:Fallback>
+      </mc:AlternateContent>
+      <mc:AlternateContent xmlns:mc="http://schemas.openxmlformats.org/markup-compatibility/2006">
+        <mc:Choice xmlns:a14="http://schemas.microsoft.com/office/drawing/2010/main" Requires="a14">
+          <p:sp>
+            <p:nvSpPr>
+              <p:cNvPr id="10" name="TextBox 9"/>
+              <p:cNvSpPr txBox="1"/>
+              <p:nvPr/>
+            </p:nvSpPr>
+            <p:spPr>
+              <a:xfrm>
+                <a:off x="2554767" y="2719000"/>
+                <a:ext cx="312008" cy="276999"/>
+              </a:xfrm>
+              <a:prstGeom prst="rect">
+                <a:avLst/>
+              </a:prstGeom>
+              <a:noFill/>
+            </p:spPr>
+            <p:txBody>
+              <a:bodyPr wrap="none" rtlCol="0">
+                <a:spAutoFit/>
+              </a:bodyPr>
+              <a:lstStyle/>
+              <a:p>
+                <a14:m>
+                  <m:oMathPara xmlns:m="http://schemas.openxmlformats.org/officeDocument/2006/math">
+                    <m:oMathParaPr>
+                      <m:jc m:val="centerGroup"/>
+                    </m:oMathParaPr>
+                    <m:oMath xmlns:m="http://schemas.openxmlformats.org/officeDocument/2006/math">
+                      <m:r>
+                        <a:rPr lang="en-US" sz="1200" b="0" i="1" smtClean="0">
+                          <a:latin typeface="Cambria Math"/>
+                        </a:rPr>
+                        <m:t>𝑢</m:t>
+                      </m:r>
+                    </m:oMath>
+                  </m:oMathPara>
+                </a14:m>
+                <a:endParaRPr lang="en-US" sz="1200" dirty="0"/>
+              </a:p>
+            </p:txBody>
+          </p:sp>
+        </mc:Choice>
+        <mc:Fallback>
+          <p:sp>
+            <p:nvSpPr>
+              <p:cNvPr id="10" name="TextBox 9"/>
+              <p:cNvSpPr txBox="1">
+                <a:spLocks noRot="1" noChangeAspect="1" noMove="1" noResize="1" noEditPoints="1" noAdjustHandles="1" noChangeArrowheads="1" noChangeShapeType="1" noTextEdit="1"/>
+              </p:cNvSpPr>
+              <p:nvPr/>
+            </p:nvSpPr>
+            <p:spPr>
+              <a:xfrm>
+                <a:off x="2554767" y="2719000"/>
+                <a:ext cx="312008" cy="276999"/>
+              </a:xfrm>
+              <a:prstGeom prst="rect">
+                <a:avLst/>
+              </a:prstGeom>
+              <a:blipFill rotWithShape="1">
+                <a:blip r:embed="rId3"/>
+                <a:stretch>
+                  <a:fillRect/>
+                </a:stretch>
+              </a:blipFill>
+            </p:spPr>
+            <p:txBody>
+              <a:bodyPr/>
+              <a:lstStyle/>
+              <a:p>
+                <a:r>
+                  <a:rPr lang="en-US">
+                    <a:noFill/>
+                  </a:rPr>
+                  <a:t> </a:t>
+                </a:r>
+              </a:p>
+            </p:txBody>
+          </p:sp>
+        </mc:Fallback>
+      </mc:AlternateContent>
+      <mc:AlternateContent xmlns:mc="http://schemas.openxmlformats.org/markup-compatibility/2006">
+        <mc:Choice xmlns:a14="http://schemas.microsoft.com/office/drawing/2010/main" Requires="a14">
+          <p:sp>
+            <p:nvSpPr>
+              <p:cNvPr id="13" name="TextBox 12"/>
+              <p:cNvSpPr txBox="1"/>
+              <p:nvPr/>
+            </p:nvSpPr>
+            <p:spPr>
+              <a:xfrm>
+                <a:off x="2514508" y="2913577"/>
+                <a:ext cx="304892" cy="439223"/>
+              </a:xfrm>
+              <a:prstGeom prst="rect">
+                <a:avLst/>
+              </a:prstGeom>
+              <a:noFill/>
+            </p:spPr>
+            <p:txBody>
+              <a:bodyPr wrap="none" rtlCol="0">
+                <a:spAutoFit/>
+              </a:bodyPr>
+              <a:lstStyle/>
+              <a:p>
+                <a14:m>
+                  <m:oMathPara xmlns:m="http://schemas.openxmlformats.org/officeDocument/2006/math">
+                    <m:oMathParaPr>
+                      <m:jc m:val="centerGroup"/>
+                    </m:oMathParaPr>
+                    <m:oMath xmlns:m="http://schemas.openxmlformats.org/officeDocument/2006/math">
+                      <m:f>
+                        <m:fPr>
+                          <m:ctrlPr>
+                            <a:rPr lang="en-US" sz="1200" b="0" i="1" smtClean="0">
+                              <a:latin typeface="Cambria Math"/>
+                            </a:rPr>
+                          </m:ctrlPr>
+                        </m:fPr>
+                        <m:num>
+                          <m:r>
+                            <a:rPr lang="en-US" sz="1200" b="0" i="1" smtClean="0">
+                              <a:latin typeface="Cambria Math"/>
+                            </a:rPr>
+                            <m:t>1</m:t>
+                          </m:r>
+                        </m:num>
+                        <m:den>
+                          <m:r>
+                            <a:rPr lang="en-US" sz="1200" b="0" i="1" smtClean="0">
+                              <a:latin typeface="Cambria Math"/>
+                            </a:rPr>
+                            <m:t>8</m:t>
+                          </m:r>
+                        </m:den>
+                      </m:f>
+                    </m:oMath>
+                  </m:oMathPara>
+                </a14:m>
+                <a:endParaRPr lang="en-US" sz="1200" dirty="0"/>
+              </a:p>
+            </p:txBody>
+          </p:sp>
+        </mc:Choice>
+        <mc:Fallback>
+          <p:sp>
+            <p:nvSpPr>
+              <p:cNvPr id="13" name="TextBox 12"/>
+              <p:cNvSpPr txBox="1">
+                <a:spLocks noRot="1" noChangeAspect="1" noMove="1" noResize="1" noEditPoints="1" noAdjustHandles="1" noChangeArrowheads="1" noChangeShapeType="1" noTextEdit="1"/>
+              </p:cNvSpPr>
+              <p:nvPr/>
+            </p:nvSpPr>
+            <p:spPr>
+              <a:xfrm>
+                <a:off x="2514508" y="2913577"/>
+                <a:ext cx="304892" cy="439223"/>
+              </a:xfrm>
+              <a:prstGeom prst="rect">
+                <a:avLst/>
+              </a:prstGeom>
+              <a:blipFill rotWithShape="1">
+                <a:blip r:embed="rId4"/>
+                <a:stretch>
+                  <a:fillRect/>
+                </a:stretch>
+              </a:blipFill>
+            </p:spPr>
+            <p:txBody>
+              <a:bodyPr/>
+              <a:lstStyle/>
+              <a:p>
+                <a:r>
+                  <a:rPr lang="en-US">
+                    <a:noFill/>
+                  </a:rPr>
+                  <a:t> </a:t>
+                </a:r>
+              </a:p>
+            </p:txBody>
+          </p:sp>
+        </mc:Fallback>
+      </mc:AlternateContent>
+      <p:cxnSp>
+        <p:nvCxnSpPr>
+          <p:cNvPr id="15" name="Straight Connector 14"/>
+          <p:cNvCxnSpPr/>
+          <p:nvPr/>
+        </p:nvCxnSpPr>
+        <p:spPr>
+          <a:xfrm>
+            <a:off x="2827020" y="3124200"/>
+            <a:ext cx="1040130" cy="0"/>
+          </a:xfrm>
+          <a:prstGeom prst="line">
+            <a:avLst/>
+          </a:prstGeom>
+          <a:ln>
+            <a:solidFill>
+              <a:schemeClr val="tx1"/>
+            </a:solidFill>
+            <a:prstDash val="dash"/>
+          </a:ln>
+        </p:spPr>
+        <p:style>
+          <a:lnRef idx="1">
+            <a:schemeClr val="accent1"/>
+          </a:lnRef>
+          <a:fillRef idx="0">
+            <a:schemeClr val="accent1"/>
+          </a:fillRef>
+          <a:effectRef idx="0">
+            <a:schemeClr val="accent1"/>
+          </a:effectRef>
+          <a:fontRef idx="minor">
+            <a:schemeClr val="tx1"/>
+          </a:fontRef>
+        </p:style>
+      </p:cxnSp>
+      <p:cxnSp>
+        <p:nvCxnSpPr>
+          <p:cNvPr id="16" name="Straight Connector 15"/>
+          <p:cNvCxnSpPr/>
+          <p:nvPr/>
+        </p:nvCxnSpPr>
+        <p:spPr>
+          <a:xfrm flipV="1">
+            <a:off x="3832860" y="3133188"/>
+            <a:ext cx="0" cy="533400"/>
+          </a:xfrm>
+          <a:prstGeom prst="line">
+            <a:avLst/>
+          </a:prstGeom>
+          <a:ln>
+            <a:solidFill>
+              <a:schemeClr val="tx1"/>
+            </a:solidFill>
+            <a:prstDash val="dash"/>
+          </a:ln>
+        </p:spPr>
+        <p:style>
+          <a:lnRef idx="1">
+            <a:schemeClr val="accent1"/>
+          </a:lnRef>
+          <a:fillRef idx="0">
+            <a:schemeClr val="accent1"/>
+          </a:fillRef>
+          <a:effectRef idx="0">
+            <a:schemeClr val="accent1"/>
+          </a:effectRef>
+          <a:fontRef idx="minor">
+            <a:schemeClr val="tx1"/>
+          </a:fontRef>
+        </p:style>
+      </p:cxnSp>
+      <mc:AlternateContent xmlns:mc="http://schemas.openxmlformats.org/markup-compatibility/2006">
+        <mc:Choice xmlns:a14="http://schemas.microsoft.com/office/drawing/2010/main" Requires="a14">
+          <p:sp>
+            <p:nvSpPr>
+              <p:cNvPr id="18" name="TextBox 17"/>
+              <p:cNvSpPr txBox="1"/>
+              <p:nvPr/>
+            </p:nvSpPr>
+            <p:spPr>
+              <a:xfrm>
+                <a:off x="3695654" y="3667957"/>
+                <a:ext cx="304892" cy="439223"/>
+              </a:xfrm>
+              <a:prstGeom prst="rect">
+                <a:avLst/>
+              </a:prstGeom>
+              <a:noFill/>
+            </p:spPr>
+            <p:txBody>
+              <a:bodyPr wrap="none" rtlCol="0">
+                <a:spAutoFit/>
+              </a:bodyPr>
+              <a:lstStyle/>
+              <a:p>
+                <a14:m>
+                  <m:oMathPara xmlns:m="http://schemas.openxmlformats.org/officeDocument/2006/math">
+                    <m:oMathParaPr>
+                      <m:jc m:val="centerGroup"/>
+                    </m:oMathParaPr>
+                    <m:oMath xmlns:m="http://schemas.openxmlformats.org/officeDocument/2006/math">
+                      <m:f>
+                        <m:fPr>
+                          <m:ctrlPr>
+                            <a:rPr lang="en-US" sz="1200" b="0" i="1" smtClean="0">
+                              <a:latin typeface="Cambria Math"/>
+                            </a:rPr>
+                          </m:ctrlPr>
+                        </m:fPr>
+                        <m:num>
+                          <m:r>
+                            <a:rPr lang="en-US" sz="1200" b="0" i="1" smtClean="0">
+                              <a:latin typeface="Cambria Math"/>
+                            </a:rPr>
+                            <m:t>1</m:t>
+                          </m:r>
+                        </m:num>
+                        <m:den>
+                          <m:r>
+                            <a:rPr lang="en-US" sz="1200" b="0" i="1" smtClean="0">
+                              <a:latin typeface="Cambria Math"/>
+                            </a:rPr>
+                            <m:t>2</m:t>
+                          </m:r>
+                        </m:den>
+                      </m:f>
+                    </m:oMath>
+                  </m:oMathPara>
+                </a14:m>
+                <a:endParaRPr lang="en-US" sz="1200" dirty="0"/>
+              </a:p>
+            </p:txBody>
+          </p:sp>
+        </mc:Choice>
+        <mc:Fallback>
+          <p:sp>
+            <p:nvSpPr>
+              <p:cNvPr id="18" name="TextBox 17"/>
+              <p:cNvSpPr txBox="1">
+                <a:spLocks noRot="1" noChangeAspect="1" noMove="1" noResize="1" noEditPoints="1" noAdjustHandles="1" noChangeArrowheads="1" noChangeShapeType="1" noTextEdit="1"/>
+              </p:cNvSpPr>
+              <p:nvPr/>
+            </p:nvSpPr>
+            <p:spPr>
+              <a:xfrm>
+                <a:off x="3695654" y="3667957"/>
+                <a:ext cx="304892" cy="439223"/>
+              </a:xfrm>
+              <a:prstGeom prst="rect">
+                <a:avLst/>
+              </a:prstGeom>
+              <a:blipFill rotWithShape="1">
+                <a:blip r:embed="rId5"/>
+                <a:stretch>
+                  <a:fillRect/>
+                </a:stretch>
+              </a:blipFill>
+            </p:spPr>
+            <p:txBody>
+              <a:bodyPr/>
+              <a:lstStyle/>
+              <a:p>
+                <a:r>
+                  <a:rPr lang="en-US">
+                    <a:noFill/>
+                  </a:rPr>
+                  <a:t> </a:t>
+                </a:r>
+              </a:p>
+            </p:txBody>
+          </p:sp>
+        </mc:Fallback>
+      </mc:AlternateContent>
+    </p:spTree>
+    <p:extLst>
+      <p:ext uri="{BB962C8B-B14F-4D97-AF65-F5344CB8AC3E}">
+        <p14:creationId xmlns:p14="http://schemas.microsoft.com/office/powerpoint/2010/main" val="1776980324"/>
+      </p:ext>
+    </p:extLst>
+  </p:cSld>
+  <p:clrMapOvr>
+    <a:masterClrMapping/>
+  </p:clrMapOvr>
 </p:sld>
 </file>
 
